--- a/FINAL_PRESENTATION.pptx
+++ b/FINAL_PRESENTATION.pptx
@@ -3278,7 +3278,7 @@
           </a:p>
           <a:p>
             <a:r>
-              <a:t>Total Test Cases Simulated: 4</a:t>
+              <a:t>Total Test Cases Simulated: 6</a:t>
             </a:r>
           </a:p>
           <a:p>
